--- a/hyundai_230731.pptx
+++ b/hyundai_230731.pptx
@@ -6,6 +6,7 @@
   </p:sldMasterIdLst>
   <p:sldIdLst>
     <p:sldId id="256" r:id="rId2"/>
+    <p:sldId id="257" r:id="rId3"/>
   </p:sldIdLst>
   <p:sldSz cx="12192000" cy="6858000"/>
   <p:notesSz cx="6858000" cy="9144000"/>
@@ -3356,8 +3357,8 @@
         </p:nvSpPr>
         <p:spPr>
           <a:xfrm>
-            <a:off x="1040524" y="683172"/>
-            <a:ext cx="1692166" cy="1030014"/>
+            <a:off x="2170385" y="880240"/>
+            <a:ext cx="1692166" cy="1271752"/>
           </a:xfrm>
           <a:prstGeom prst="rect">
             <a:avLst/>
@@ -3387,6 +3388,15 @@
           <a:lstStyle/>
           <a:p>
             <a:pPr algn="ctr"/>
+            <a:r>
+              <a:rPr kumimoji="1" lang="en-US" altLang="ko-Kore-KR" dirty="0">
+                <a:solidFill>
+                  <a:schemeClr val="tx1"/>
+                </a:solidFill>
+                <a:latin typeface="DM Mono" panose="020B0509040201040103" pitchFamily="49" charset="0"/>
+              </a:rPr>
+              <a:t>User</a:t>
+            </a:r>
             <a:endParaRPr kumimoji="1" lang="ko-Kore-KR" altLang="en-US" dirty="0">
               <a:solidFill>
                 <a:schemeClr val="tx1"/>
@@ -3396,10 +3406,1506 @@
           </a:p>
         </p:txBody>
       </p:sp>
+      <p:sp>
+        <p:nvSpPr>
+          <p:cNvPr id="5" name="직사각형 4">
+            <a:extLst>
+              <a:ext uri="{FF2B5EF4-FFF2-40B4-BE49-F238E27FC236}">
+                <a16:creationId xmlns:a16="http://schemas.microsoft.com/office/drawing/2014/main" id="{1A2F7148-F820-F355-9D98-44FE6F12D33C}"/>
+              </a:ext>
+            </a:extLst>
+          </p:cNvPr>
+          <p:cNvSpPr/>
+          <p:nvPr/>
+        </p:nvSpPr>
+        <p:spPr>
+          <a:xfrm>
+            <a:off x="7662042" y="1434662"/>
+            <a:ext cx="1692166" cy="1271752"/>
+          </a:xfrm>
+          <a:prstGeom prst="rect">
+            <a:avLst/>
+          </a:prstGeom>
+          <a:solidFill>
+            <a:srgbClr val="FFFF00"/>
+          </a:solidFill>
+        </p:spPr>
+        <p:style>
+          <a:lnRef idx="2">
+            <a:schemeClr val="accent1">
+              <a:shade val="15000"/>
+            </a:schemeClr>
+          </a:lnRef>
+          <a:fillRef idx="1">
+            <a:schemeClr val="accent1"/>
+          </a:fillRef>
+          <a:effectRef idx="0">
+            <a:schemeClr val="accent1"/>
+          </a:effectRef>
+          <a:fontRef idx="minor">
+            <a:schemeClr val="lt1"/>
+          </a:fontRef>
+        </p:style>
+        <p:txBody>
+          <a:bodyPr rtlCol="0" anchor="ctr"/>
+          <a:lstStyle/>
+          <a:p>
+            <a:pPr algn="ctr"/>
+            <a:r>
+              <a:rPr kumimoji="1" lang="en-US" altLang="ko-Kore-KR" dirty="0">
+                <a:solidFill>
+                  <a:schemeClr val="tx1"/>
+                </a:solidFill>
+                <a:latin typeface="DM Mono" panose="020B0509040201040103" pitchFamily="49" charset="0"/>
+              </a:rPr>
+              <a:t>Kernel(OS)</a:t>
+            </a:r>
+            <a:endParaRPr kumimoji="1" lang="ko-Kore-KR" altLang="en-US" dirty="0">
+              <a:solidFill>
+                <a:schemeClr val="tx1"/>
+              </a:solidFill>
+              <a:latin typeface="DM Mono" panose="020B0509040201040103" pitchFamily="49" charset="0"/>
+            </a:endParaRPr>
+          </a:p>
+        </p:txBody>
+      </p:sp>
+      <p:sp>
+        <p:nvSpPr>
+          <p:cNvPr id="6" name="직사각형 5">
+            <a:extLst>
+              <a:ext uri="{FF2B5EF4-FFF2-40B4-BE49-F238E27FC236}">
+                <a16:creationId xmlns:a16="http://schemas.microsoft.com/office/drawing/2014/main" id="{FA8A1CD2-8055-CEF4-DEE0-38F971DD52B3}"/>
+              </a:ext>
+            </a:extLst>
+          </p:cNvPr>
+          <p:cNvSpPr/>
+          <p:nvPr/>
+        </p:nvSpPr>
+        <p:spPr>
+          <a:xfrm>
+            <a:off x="6815959" y="3723290"/>
+            <a:ext cx="1692166" cy="493986"/>
+          </a:xfrm>
+          <a:prstGeom prst="rect">
+            <a:avLst/>
+          </a:prstGeom>
+          <a:solidFill>
+            <a:srgbClr val="FFFF00"/>
+          </a:solidFill>
+        </p:spPr>
+        <p:style>
+          <a:lnRef idx="2">
+            <a:schemeClr val="accent1">
+              <a:shade val="15000"/>
+            </a:schemeClr>
+          </a:lnRef>
+          <a:fillRef idx="1">
+            <a:schemeClr val="accent1"/>
+          </a:fillRef>
+          <a:effectRef idx="0">
+            <a:schemeClr val="accent1"/>
+          </a:effectRef>
+          <a:fontRef idx="minor">
+            <a:schemeClr val="lt1"/>
+          </a:fontRef>
+        </p:style>
+        <p:txBody>
+          <a:bodyPr rtlCol="0" anchor="ctr"/>
+          <a:lstStyle/>
+          <a:p>
+            <a:pPr algn="ctr"/>
+            <a:r>
+              <a:rPr kumimoji="1" lang="ko-KR" altLang="en-US" dirty="0">
+                <a:solidFill>
+                  <a:schemeClr val="tx1"/>
+                </a:solidFill>
+                <a:latin typeface="DM Mono" panose="020B0509040201040103" pitchFamily="49" charset="0"/>
+              </a:rPr>
+              <a:t>키보드</a:t>
+            </a:r>
+            <a:endParaRPr kumimoji="1" lang="ko-Kore-KR" altLang="en-US" dirty="0">
+              <a:solidFill>
+                <a:schemeClr val="tx1"/>
+              </a:solidFill>
+              <a:latin typeface="DM Mono" panose="020B0509040201040103" pitchFamily="49" charset="0"/>
+            </a:endParaRPr>
+          </a:p>
+        </p:txBody>
+      </p:sp>
+      <p:sp>
+        <p:nvSpPr>
+          <p:cNvPr id="7" name="직사각형 6">
+            <a:extLst>
+              <a:ext uri="{FF2B5EF4-FFF2-40B4-BE49-F238E27FC236}">
+                <a16:creationId xmlns:a16="http://schemas.microsoft.com/office/drawing/2014/main" id="{F94858DF-150C-C13C-6411-C36D3BC55DE6}"/>
+              </a:ext>
+            </a:extLst>
+          </p:cNvPr>
+          <p:cNvSpPr/>
+          <p:nvPr/>
+        </p:nvSpPr>
+        <p:spPr>
+          <a:xfrm>
+            <a:off x="8660524" y="3723290"/>
+            <a:ext cx="1692166" cy="493986"/>
+          </a:xfrm>
+          <a:prstGeom prst="rect">
+            <a:avLst/>
+          </a:prstGeom>
+          <a:solidFill>
+            <a:srgbClr val="FFFF00"/>
+          </a:solidFill>
+        </p:spPr>
+        <p:style>
+          <a:lnRef idx="2">
+            <a:schemeClr val="accent1">
+              <a:shade val="15000"/>
+            </a:schemeClr>
+          </a:lnRef>
+          <a:fillRef idx="1">
+            <a:schemeClr val="accent1"/>
+          </a:fillRef>
+          <a:effectRef idx="0">
+            <a:schemeClr val="accent1"/>
+          </a:effectRef>
+          <a:fontRef idx="minor">
+            <a:schemeClr val="lt1"/>
+          </a:fontRef>
+        </p:style>
+        <p:txBody>
+          <a:bodyPr rtlCol="0" anchor="ctr"/>
+          <a:lstStyle/>
+          <a:p>
+            <a:pPr algn="ctr"/>
+            <a:r>
+              <a:rPr kumimoji="1" lang="ko-KR" altLang="en-US" dirty="0">
+                <a:solidFill>
+                  <a:schemeClr val="tx1"/>
+                </a:solidFill>
+                <a:latin typeface="DM Mono" panose="020B0509040201040103" pitchFamily="49" charset="0"/>
+              </a:rPr>
+              <a:t>모니터</a:t>
+            </a:r>
+            <a:endParaRPr kumimoji="1" lang="ko-Kore-KR" altLang="en-US" dirty="0">
+              <a:solidFill>
+                <a:schemeClr val="tx1"/>
+              </a:solidFill>
+              <a:latin typeface="DM Mono" panose="020B0509040201040103" pitchFamily="49" charset="0"/>
+            </a:endParaRPr>
+          </a:p>
+        </p:txBody>
+      </p:sp>
+      <p:cxnSp>
+        <p:nvCxnSpPr>
+          <p:cNvPr id="9" name="구부러진 연결선[U] 8">
+            <a:extLst>
+              <a:ext uri="{FF2B5EF4-FFF2-40B4-BE49-F238E27FC236}">
+                <a16:creationId xmlns:a16="http://schemas.microsoft.com/office/drawing/2014/main" id="{4327BED3-DCF3-E32B-C5C1-017483EAEE33}"/>
+              </a:ext>
+            </a:extLst>
+          </p:cNvPr>
+          <p:cNvCxnSpPr>
+            <a:stCxn id="5" idx="2"/>
+            <a:endCxn id="6" idx="0"/>
+          </p:cNvCxnSpPr>
+          <p:nvPr/>
+        </p:nvCxnSpPr>
+        <p:spPr>
+          <a:xfrm rot="5400000">
+            <a:off x="7576646" y="2791811"/>
+            <a:ext cx="1016876" cy="846083"/>
+          </a:xfrm>
+          <a:prstGeom prst="curvedConnector3">
+            <a:avLst/>
+          </a:prstGeom>
+          <a:ln>
+            <a:tailEnd type="triangle"/>
+          </a:ln>
+        </p:spPr>
+        <p:style>
+          <a:lnRef idx="1">
+            <a:schemeClr val="dk1"/>
+          </a:lnRef>
+          <a:fillRef idx="0">
+            <a:schemeClr val="dk1"/>
+          </a:fillRef>
+          <a:effectRef idx="0">
+            <a:schemeClr val="dk1"/>
+          </a:effectRef>
+          <a:fontRef idx="minor">
+            <a:schemeClr val="tx1"/>
+          </a:fontRef>
+        </p:style>
+      </p:cxnSp>
+      <p:cxnSp>
+        <p:nvCxnSpPr>
+          <p:cNvPr id="10" name="구부러진 연결선[U] 9">
+            <a:extLst>
+              <a:ext uri="{FF2B5EF4-FFF2-40B4-BE49-F238E27FC236}">
+                <a16:creationId xmlns:a16="http://schemas.microsoft.com/office/drawing/2014/main" id="{0432BB0D-2F81-D5F9-D1AD-13C218809BCD}"/>
+              </a:ext>
+            </a:extLst>
+          </p:cNvPr>
+          <p:cNvCxnSpPr>
+            <a:cxnSpLocks/>
+            <a:stCxn id="5" idx="2"/>
+            <a:endCxn id="7" idx="0"/>
+          </p:cNvCxnSpPr>
+          <p:nvPr/>
+        </p:nvCxnSpPr>
+        <p:spPr>
+          <a:xfrm rot="16200000" flipH="1">
+            <a:off x="8498928" y="2715611"/>
+            <a:ext cx="1016876" cy="998482"/>
+          </a:xfrm>
+          <a:prstGeom prst="curvedConnector3">
+            <a:avLst/>
+          </a:prstGeom>
+          <a:ln>
+            <a:tailEnd type="triangle"/>
+          </a:ln>
+        </p:spPr>
+        <p:style>
+          <a:lnRef idx="1">
+            <a:schemeClr val="dk1"/>
+          </a:lnRef>
+          <a:fillRef idx="0">
+            <a:schemeClr val="dk1"/>
+          </a:fillRef>
+          <a:effectRef idx="0">
+            <a:schemeClr val="dk1"/>
+          </a:effectRef>
+          <a:fontRef idx="minor">
+            <a:schemeClr val="tx1"/>
+          </a:fontRef>
+        </p:style>
+      </p:cxnSp>
+      <p:sp>
+        <p:nvSpPr>
+          <p:cNvPr id="13" name="직사각형 12">
+            <a:extLst>
+              <a:ext uri="{FF2B5EF4-FFF2-40B4-BE49-F238E27FC236}">
+                <a16:creationId xmlns:a16="http://schemas.microsoft.com/office/drawing/2014/main" id="{A1C2049C-4A70-CA38-88BC-E3827A000401}"/>
+              </a:ext>
+            </a:extLst>
+          </p:cNvPr>
+          <p:cNvSpPr/>
+          <p:nvPr/>
+        </p:nvSpPr>
+        <p:spPr>
+          <a:xfrm>
+            <a:off x="3936124" y="898634"/>
+            <a:ext cx="1192924" cy="362607"/>
+          </a:xfrm>
+          <a:prstGeom prst="rect">
+            <a:avLst/>
+          </a:prstGeom>
+          <a:solidFill>
+            <a:srgbClr val="FFFF00"/>
+          </a:solidFill>
+        </p:spPr>
+        <p:style>
+          <a:lnRef idx="2">
+            <a:schemeClr val="accent1">
+              <a:shade val="15000"/>
+            </a:schemeClr>
+          </a:lnRef>
+          <a:fillRef idx="1">
+            <a:schemeClr val="accent1"/>
+          </a:fillRef>
+          <a:effectRef idx="0">
+            <a:schemeClr val="accent1"/>
+          </a:effectRef>
+          <a:fontRef idx="minor">
+            <a:schemeClr val="lt1"/>
+          </a:fontRef>
+        </p:style>
+        <p:txBody>
+          <a:bodyPr rtlCol="0" anchor="ctr"/>
+          <a:lstStyle/>
+          <a:p>
+            <a:pPr algn="ctr"/>
+            <a:r>
+              <a:rPr kumimoji="1" lang="en-US" altLang="ko-Kore-KR" dirty="0">
+                <a:solidFill>
+                  <a:schemeClr val="tx1"/>
+                </a:solidFill>
+                <a:latin typeface="DM Mono" panose="020B0509040201040103" pitchFamily="49" charset="0"/>
+              </a:rPr>
+              <a:t>stdin</a:t>
+            </a:r>
+            <a:endParaRPr kumimoji="1" lang="ko-Kore-KR" altLang="en-US" dirty="0">
+              <a:solidFill>
+                <a:schemeClr val="tx1"/>
+              </a:solidFill>
+              <a:latin typeface="DM Mono" panose="020B0509040201040103" pitchFamily="49" charset="0"/>
+            </a:endParaRPr>
+          </a:p>
+        </p:txBody>
+      </p:sp>
+      <p:sp>
+        <p:nvSpPr>
+          <p:cNvPr id="14" name="직사각형 13">
+            <a:extLst>
+              <a:ext uri="{FF2B5EF4-FFF2-40B4-BE49-F238E27FC236}">
+                <a16:creationId xmlns:a16="http://schemas.microsoft.com/office/drawing/2014/main" id="{6199A899-041E-4467-4331-8B7AA0573050}"/>
+              </a:ext>
+            </a:extLst>
+          </p:cNvPr>
+          <p:cNvSpPr/>
+          <p:nvPr/>
+        </p:nvSpPr>
+        <p:spPr>
+          <a:xfrm>
+            <a:off x="3936124" y="1334813"/>
+            <a:ext cx="1192924" cy="362607"/>
+          </a:xfrm>
+          <a:prstGeom prst="rect">
+            <a:avLst/>
+          </a:prstGeom>
+          <a:solidFill>
+            <a:srgbClr val="FFFF00"/>
+          </a:solidFill>
+        </p:spPr>
+        <p:style>
+          <a:lnRef idx="2">
+            <a:schemeClr val="accent1">
+              <a:shade val="15000"/>
+            </a:schemeClr>
+          </a:lnRef>
+          <a:fillRef idx="1">
+            <a:schemeClr val="accent1"/>
+          </a:fillRef>
+          <a:effectRef idx="0">
+            <a:schemeClr val="accent1"/>
+          </a:effectRef>
+          <a:fontRef idx="minor">
+            <a:schemeClr val="lt1"/>
+          </a:fontRef>
+        </p:style>
+        <p:txBody>
+          <a:bodyPr rtlCol="0" anchor="ctr"/>
+          <a:lstStyle/>
+          <a:p>
+            <a:pPr algn="ctr"/>
+            <a:r>
+              <a:rPr kumimoji="1" lang="en-US" altLang="ko-Kore-KR" dirty="0" err="1">
+                <a:solidFill>
+                  <a:schemeClr val="tx1"/>
+                </a:solidFill>
+                <a:latin typeface="DM Mono" panose="020B0509040201040103" pitchFamily="49" charset="0"/>
+              </a:rPr>
+              <a:t>stdout</a:t>
+            </a:r>
+            <a:endParaRPr kumimoji="1" lang="ko-Kore-KR" altLang="en-US" dirty="0">
+              <a:solidFill>
+                <a:schemeClr val="tx1"/>
+              </a:solidFill>
+              <a:latin typeface="DM Mono" panose="020B0509040201040103" pitchFamily="49" charset="0"/>
+            </a:endParaRPr>
+          </a:p>
+        </p:txBody>
+      </p:sp>
+      <p:sp>
+        <p:nvSpPr>
+          <p:cNvPr id="15" name="직사각형 14">
+            <a:extLst>
+              <a:ext uri="{FF2B5EF4-FFF2-40B4-BE49-F238E27FC236}">
+                <a16:creationId xmlns:a16="http://schemas.microsoft.com/office/drawing/2014/main" id="{6E0AC831-0728-9981-E699-E48F1E631078}"/>
+              </a:ext>
+            </a:extLst>
+          </p:cNvPr>
+          <p:cNvSpPr/>
+          <p:nvPr/>
+        </p:nvSpPr>
+        <p:spPr>
+          <a:xfrm>
+            <a:off x="3936124" y="1770992"/>
+            <a:ext cx="1192924" cy="362607"/>
+          </a:xfrm>
+          <a:prstGeom prst="rect">
+            <a:avLst/>
+          </a:prstGeom>
+          <a:solidFill>
+            <a:srgbClr val="FFFF00"/>
+          </a:solidFill>
+        </p:spPr>
+        <p:style>
+          <a:lnRef idx="2">
+            <a:schemeClr val="accent1">
+              <a:shade val="15000"/>
+            </a:schemeClr>
+          </a:lnRef>
+          <a:fillRef idx="1">
+            <a:schemeClr val="accent1"/>
+          </a:fillRef>
+          <a:effectRef idx="0">
+            <a:schemeClr val="accent1"/>
+          </a:effectRef>
+          <a:fontRef idx="minor">
+            <a:schemeClr val="lt1"/>
+          </a:fontRef>
+        </p:style>
+        <p:txBody>
+          <a:bodyPr rtlCol="0" anchor="ctr"/>
+          <a:lstStyle/>
+          <a:p>
+            <a:pPr algn="ctr"/>
+            <a:r>
+              <a:rPr kumimoji="1" lang="en-US" altLang="ko-Kore-KR" dirty="0">
+                <a:solidFill>
+                  <a:schemeClr val="tx1"/>
+                </a:solidFill>
+                <a:latin typeface="DM Mono" panose="020B0509040201040103" pitchFamily="49" charset="0"/>
+              </a:rPr>
+              <a:t>stderr</a:t>
+            </a:r>
+            <a:endParaRPr kumimoji="1" lang="ko-Kore-KR" altLang="en-US" dirty="0">
+              <a:solidFill>
+                <a:schemeClr val="tx1"/>
+              </a:solidFill>
+              <a:latin typeface="DM Mono" panose="020B0509040201040103" pitchFamily="49" charset="0"/>
+            </a:endParaRPr>
+          </a:p>
+        </p:txBody>
+      </p:sp>
+      <p:cxnSp>
+        <p:nvCxnSpPr>
+          <p:cNvPr id="17" name="구부러진 연결선[U] 16">
+            <a:extLst>
+              <a:ext uri="{FF2B5EF4-FFF2-40B4-BE49-F238E27FC236}">
+                <a16:creationId xmlns:a16="http://schemas.microsoft.com/office/drawing/2014/main" id="{5B1305E6-06E0-508B-9B03-8DDEADEBA929}"/>
+              </a:ext>
+            </a:extLst>
+          </p:cNvPr>
+          <p:cNvCxnSpPr>
+            <a:cxnSpLocks/>
+            <a:stCxn id="13" idx="3"/>
+            <a:endCxn id="5" idx="1"/>
+          </p:cNvCxnSpPr>
+          <p:nvPr/>
+        </p:nvCxnSpPr>
+        <p:spPr>
+          <a:xfrm>
+            <a:off x="5129048" y="1079938"/>
+            <a:ext cx="2532994" cy="990600"/>
+          </a:xfrm>
+          <a:prstGeom prst="curvedConnector3">
+            <a:avLst/>
+          </a:prstGeom>
+          <a:ln>
+            <a:tailEnd type="triangle"/>
+          </a:ln>
+        </p:spPr>
+        <p:style>
+          <a:lnRef idx="1">
+            <a:schemeClr val="dk1"/>
+          </a:lnRef>
+          <a:fillRef idx="0">
+            <a:schemeClr val="dk1"/>
+          </a:fillRef>
+          <a:effectRef idx="0">
+            <a:schemeClr val="dk1"/>
+          </a:effectRef>
+          <a:fontRef idx="minor">
+            <a:schemeClr val="tx1"/>
+          </a:fontRef>
+        </p:style>
+      </p:cxnSp>
+      <p:cxnSp>
+        <p:nvCxnSpPr>
+          <p:cNvPr id="19" name="구부러진 연결선[U] 18">
+            <a:extLst>
+              <a:ext uri="{FF2B5EF4-FFF2-40B4-BE49-F238E27FC236}">
+                <a16:creationId xmlns:a16="http://schemas.microsoft.com/office/drawing/2014/main" id="{E4E99E92-FD38-66B9-4952-000A45CA2E6E}"/>
+              </a:ext>
+            </a:extLst>
+          </p:cNvPr>
+          <p:cNvCxnSpPr>
+            <a:cxnSpLocks/>
+            <a:stCxn id="14" idx="3"/>
+            <a:endCxn id="5" idx="1"/>
+          </p:cNvCxnSpPr>
+          <p:nvPr/>
+        </p:nvCxnSpPr>
+        <p:spPr>
+          <a:xfrm>
+            <a:off x="5129048" y="1516117"/>
+            <a:ext cx="2532994" cy="554421"/>
+          </a:xfrm>
+          <a:prstGeom prst="curvedConnector3">
+            <a:avLst/>
+          </a:prstGeom>
+          <a:ln>
+            <a:tailEnd type="triangle"/>
+          </a:ln>
+        </p:spPr>
+        <p:style>
+          <a:lnRef idx="1">
+            <a:schemeClr val="dk1"/>
+          </a:lnRef>
+          <a:fillRef idx="0">
+            <a:schemeClr val="dk1"/>
+          </a:fillRef>
+          <a:effectRef idx="0">
+            <a:schemeClr val="dk1"/>
+          </a:effectRef>
+          <a:fontRef idx="minor">
+            <a:schemeClr val="tx1"/>
+          </a:fontRef>
+        </p:style>
+      </p:cxnSp>
+      <p:cxnSp>
+        <p:nvCxnSpPr>
+          <p:cNvPr id="22" name="구부러진 연결선[U] 21">
+            <a:extLst>
+              <a:ext uri="{FF2B5EF4-FFF2-40B4-BE49-F238E27FC236}">
+                <a16:creationId xmlns:a16="http://schemas.microsoft.com/office/drawing/2014/main" id="{9663961F-C07E-6488-0805-AE6D7A82D9E9}"/>
+              </a:ext>
+            </a:extLst>
+          </p:cNvPr>
+          <p:cNvCxnSpPr>
+            <a:cxnSpLocks/>
+            <a:stCxn id="15" idx="3"/>
+            <a:endCxn id="5" idx="1"/>
+          </p:cNvCxnSpPr>
+          <p:nvPr/>
+        </p:nvCxnSpPr>
+        <p:spPr>
+          <a:xfrm>
+            <a:off x="5129048" y="1952296"/>
+            <a:ext cx="2532994" cy="118242"/>
+          </a:xfrm>
+          <a:prstGeom prst="curvedConnector3">
+            <a:avLst/>
+          </a:prstGeom>
+          <a:ln>
+            <a:tailEnd type="triangle"/>
+          </a:ln>
+        </p:spPr>
+        <p:style>
+          <a:lnRef idx="1">
+            <a:schemeClr val="dk1"/>
+          </a:lnRef>
+          <a:fillRef idx="0">
+            <a:schemeClr val="dk1"/>
+          </a:fillRef>
+          <a:effectRef idx="0">
+            <a:schemeClr val="dk1"/>
+          </a:effectRef>
+          <a:fontRef idx="minor">
+            <a:schemeClr val="tx1"/>
+          </a:fontRef>
+        </p:style>
+      </p:cxnSp>
     </p:spTree>
     <p:extLst>
       <p:ext uri="{BB962C8B-B14F-4D97-AF65-F5344CB8AC3E}">
         <p14:creationId xmlns:p14="http://schemas.microsoft.com/office/powerpoint/2010/main" val="1666739437"/>
+      </p:ext>
+    </p:extLst>
+  </p:cSld>
+  <p:clrMapOvr>
+    <a:masterClrMapping/>
+  </p:clrMapOvr>
+</p:sld>
+</file>
+
+<file path=ppt/slides/slide2.xml><?xml version="1.0" encoding="utf-8"?>
+<p:sld xmlns:a="http://schemas.openxmlformats.org/drawingml/2006/main" xmlns:r="http://schemas.openxmlformats.org/officeDocument/2006/relationships" xmlns:p="http://schemas.openxmlformats.org/presentationml/2006/main">
+  <p:cSld>
+    <p:spTree>
+      <p:nvGrpSpPr>
+        <p:cNvPr id="1" name=""/>
+        <p:cNvGrpSpPr/>
+        <p:nvPr/>
+      </p:nvGrpSpPr>
+      <p:grpSpPr>
+        <a:xfrm>
+          <a:off x="0" y="0"/>
+          <a:ext cx="0" cy="0"/>
+          <a:chOff x="0" y="0"/>
+          <a:chExt cx="0" cy="0"/>
+        </a:xfrm>
+      </p:grpSpPr>
+      <p:sp>
+        <p:nvSpPr>
+          <p:cNvPr id="4" name="직사각형 3">
+            <a:extLst>
+              <a:ext uri="{FF2B5EF4-FFF2-40B4-BE49-F238E27FC236}">
+                <a16:creationId xmlns:a16="http://schemas.microsoft.com/office/drawing/2014/main" id="{5AA3BD33-CB3D-44D5-BAF2-80F489D61C24}"/>
+              </a:ext>
+            </a:extLst>
+          </p:cNvPr>
+          <p:cNvSpPr/>
+          <p:nvPr/>
+        </p:nvSpPr>
+        <p:spPr>
+          <a:xfrm>
+            <a:off x="9517115" y="722585"/>
+            <a:ext cx="1571299" cy="5026574"/>
+          </a:xfrm>
+          <a:prstGeom prst="rect">
+            <a:avLst/>
+          </a:prstGeom>
+          <a:solidFill>
+            <a:srgbClr val="FFFF00"/>
+          </a:solidFill>
+        </p:spPr>
+        <p:style>
+          <a:lnRef idx="2">
+            <a:schemeClr val="accent1">
+              <a:shade val="15000"/>
+            </a:schemeClr>
+          </a:lnRef>
+          <a:fillRef idx="1">
+            <a:schemeClr val="accent1"/>
+          </a:fillRef>
+          <a:effectRef idx="0">
+            <a:schemeClr val="accent1"/>
+          </a:effectRef>
+          <a:fontRef idx="minor">
+            <a:schemeClr val="lt1"/>
+          </a:fontRef>
+        </p:style>
+        <p:txBody>
+          <a:bodyPr rtlCol="0" anchor="ctr"/>
+          <a:lstStyle/>
+          <a:p>
+            <a:pPr algn="ctr"/>
+            <a:endParaRPr kumimoji="1" lang="ko-Kore-KR" altLang="en-US" dirty="0">
+              <a:solidFill>
+                <a:schemeClr val="tx1"/>
+              </a:solidFill>
+              <a:latin typeface="DM Mono" panose="020B0509040201040103" pitchFamily="49" charset="0"/>
+            </a:endParaRPr>
+          </a:p>
+        </p:txBody>
+      </p:sp>
+      <p:sp>
+        <p:nvSpPr>
+          <p:cNvPr id="5" name="직사각형 4">
+            <a:extLst>
+              <a:ext uri="{FF2B5EF4-FFF2-40B4-BE49-F238E27FC236}">
+                <a16:creationId xmlns:a16="http://schemas.microsoft.com/office/drawing/2014/main" id="{CEF5CC72-214E-2B0F-AF72-F3E9F39DE3A0}"/>
+              </a:ext>
+            </a:extLst>
+          </p:cNvPr>
+          <p:cNvSpPr/>
+          <p:nvPr/>
+        </p:nvSpPr>
+        <p:spPr>
+          <a:xfrm>
+            <a:off x="9517114" y="1271752"/>
+            <a:ext cx="1571299" cy="1765738"/>
+          </a:xfrm>
+          <a:prstGeom prst="rect">
+            <a:avLst/>
+          </a:prstGeom>
+          <a:solidFill>
+            <a:srgbClr val="FFC000"/>
+          </a:solidFill>
+        </p:spPr>
+        <p:style>
+          <a:lnRef idx="2">
+            <a:schemeClr val="accent1">
+              <a:shade val="15000"/>
+            </a:schemeClr>
+          </a:lnRef>
+          <a:fillRef idx="1">
+            <a:schemeClr val="accent1"/>
+          </a:fillRef>
+          <a:effectRef idx="0">
+            <a:schemeClr val="accent1"/>
+          </a:effectRef>
+          <a:fontRef idx="minor">
+            <a:schemeClr val="lt1"/>
+          </a:fontRef>
+        </p:style>
+        <p:txBody>
+          <a:bodyPr rtlCol="0" anchor="ctr"/>
+          <a:lstStyle/>
+          <a:p>
+            <a:pPr algn="ctr"/>
+            <a:endParaRPr kumimoji="1" lang="ko-Kore-KR" altLang="en-US" dirty="0">
+              <a:solidFill>
+                <a:schemeClr val="tx1"/>
+              </a:solidFill>
+              <a:latin typeface="DM Mono" panose="020B0509040201040103" pitchFamily="49" charset="0"/>
+            </a:endParaRPr>
+          </a:p>
+        </p:txBody>
+      </p:sp>
+      <p:sp>
+        <p:nvSpPr>
+          <p:cNvPr id="6" name="직사각형 5">
+            <a:extLst>
+              <a:ext uri="{FF2B5EF4-FFF2-40B4-BE49-F238E27FC236}">
+                <a16:creationId xmlns:a16="http://schemas.microsoft.com/office/drawing/2014/main" id="{21F0867A-BEDB-97AE-8D64-0FD2F8081FEC}"/>
+              </a:ext>
+            </a:extLst>
+          </p:cNvPr>
+          <p:cNvSpPr/>
+          <p:nvPr/>
+        </p:nvSpPr>
+        <p:spPr>
+          <a:xfrm>
+            <a:off x="4445872" y="1035269"/>
+            <a:ext cx="2259728" cy="856593"/>
+          </a:xfrm>
+          <a:prstGeom prst="rect">
+            <a:avLst/>
+          </a:prstGeom>
+          <a:solidFill>
+            <a:srgbClr val="FFC000"/>
+          </a:solidFill>
+        </p:spPr>
+        <p:style>
+          <a:lnRef idx="2">
+            <a:schemeClr val="accent1">
+              <a:shade val="15000"/>
+            </a:schemeClr>
+          </a:lnRef>
+          <a:fillRef idx="1">
+            <a:schemeClr val="accent1"/>
+          </a:fillRef>
+          <a:effectRef idx="0">
+            <a:schemeClr val="accent1"/>
+          </a:effectRef>
+          <a:fontRef idx="minor">
+            <a:schemeClr val="lt1"/>
+          </a:fontRef>
+        </p:style>
+        <p:txBody>
+          <a:bodyPr rtlCol="0" anchor="ctr"/>
+          <a:lstStyle/>
+          <a:p>
+            <a:pPr algn="ctr"/>
+            <a:r>
+              <a:rPr kumimoji="1" lang="en-US" altLang="ko-Kore-KR" dirty="0">
+                <a:solidFill>
+                  <a:schemeClr val="tx1"/>
+                </a:solidFill>
+                <a:latin typeface="DM Mono" panose="020B0509040201040103" pitchFamily="49" charset="0"/>
+              </a:rPr>
+              <a:t>TEXT</a:t>
+            </a:r>
+            <a:endParaRPr kumimoji="1" lang="ko-Kore-KR" altLang="en-US" dirty="0">
+              <a:solidFill>
+                <a:schemeClr val="tx1"/>
+              </a:solidFill>
+              <a:latin typeface="DM Mono" panose="020B0509040201040103" pitchFamily="49" charset="0"/>
+            </a:endParaRPr>
+          </a:p>
+        </p:txBody>
+      </p:sp>
+      <p:sp>
+        <p:nvSpPr>
+          <p:cNvPr id="7" name="직사각형 6">
+            <a:extLst>
+              <a:ext uri="{FF2B5EF4-FFF2-40B4-BE49-F238E27FC236}">
+                <a16:creationId xmlns:a16="http://schemas.microsoft.com/office/drawing/2014/main" id="{A41560CF-65F1-717D-4274-F591E11D0190}"/>
+              </a:ext>
+            </a:extLst>
+          </p:cNvPr>
+          <p:cNvSpPr/>
+          <p:nvPr/>
+        </p:nvSpPr>
+        <p:spPr>
+          <a:xfrm>
+            <a:off x="4445872" y="1891862"/>
+            <a:ext cx="2259728" cy="856593"/>
+          </a:xfrm>
+          <a:prstGeom prst="rect">
+            <a:avLst/>
+          </a:prstGeom>
+          <a:solidFill>
+            <a:srgbClr val="FFC000"/>
+          </a:solidFill>
+        </p:spPr>
+        <p:style>
+          <a:lnRef idx="2">
+            <a:schemeClr val="accent1">
+              <a:shade val="15000"/>
+            </a:schemeClr>
+          </a:lnRef>
+          <a:fillRef idx="1">
+            <a:schemeClr val="accent1"/>
+          </a:fillRef>
+          <a:effectRef idx="0">
+            <a:schemeClr val="accent1"/>
+          </a:effectRef>
+          <a:fontRef idx="minor">
+            <a:schemeClr val="lt1"/>
+          </a:fontRef>
+        </p:style>
+        <p:txBody>
+          <a:bodyPr rtlCol="0" anchor="ctr"/>
+          <a:lstStyle/>
+          <a:p>
+            <a:pPr algn="ctr"/>
+            <a:r>
+              <a:rPr kumimoji="1" lang="en-US" altLang="ko-Kore-KR" dirty="0">
+                <a:solidFill>
+                  <a:schemeClr val="tx1"/>
+                </a:solidFill>
+                <a:latin typeface="DM Mono" panose="020B0509040201040103" pitchFamily="49" charset="0"/>
+              </a:rPr>
+              <a:t>DATA</a:t>
+            </a:r>
+            <a:endParaRPr kumimoji="1" lang="ko-Kore-KR" altLang="en-US" dirty="0">
+              <a:solidFill>
+                <a:schemeClr val="tx1"/>
+              </a:solidFill>
+              <a:latin typeface="DM Mono" panose="020B0509040201040103" pitchFamily="49" charset="0"/>
+            </a:endParaRPr>
+          </a:p>
+        </p:txBody>
+      </p:sp>
+      <p:sp>
+        <p:nvSpPr>
+          <p:cNvPr id="8" name="직사각형 7">
+            <a:extLst>
+              <a:ext uri="{FF2B5EF4-FFF2-40B4-BE49-F238E27FC236}">
+                <a16:creationId xmlns:a16="http://schemas.microsoft.com/office/drawing/2014/main" id="{97D8F769-4DA2-2654-45E7-F3789A3E7F9D}"/>
+              </a:ext>
+            </a:extLst>
+          </p:cNvPr>
+          <p:cNvSpPr/>
+          <p:nvPr/>
+        </p:nvSpPr>
+        <p:spPr>
+          <a:xfrm>
+            <a:off x="4445872" y="2748455"/>
+            <a:ext cx="2259728" cy="856593"/>
+          </a:xfrm>
+          <a:prstGeom prst="rect">
+            <a:avLst/>
+          </a:prstGeom>
+          <a:solidFill>
+            <a:srgbClr val="FFC000"/>
+          </a:solidFill>
+        </p:spPr>
+        <p:style>
+          <a:lnRef idx="2">
+            <a:schemeClr val="accent1">
+              <a:shade val="15000"/>
+            </a:schemeClr>
+          </a:lnRef>
+          <a:fillRef idx="1">
+            <a:schemeClr val="accent1"/>
+          </a:fillRef>
+          <a:effectRef idx="0">
+            <a:schemeClr val="accent1"/>
+          </a:effectRef>
+          <a:fontRef idx="minor">
+            <a:schemeClr val="lt1"/>
+          </a:fontRef>
+        </p:style>
+        <p:txBody>
+          <a:bodyPr rtlCol="0" anchor="ctr"/>
+          <a:lstStyle/>
+          <a:p>
+            <a:pPr algn="ctr"/>
+            <a:r>
+              <a:rPr kumimoji="1" lang="en-US" altLang="ko-Kore-KR" dirty="0">
+                <a:solidFill>
+                  <a:schemeClr val="tx1"/>
+                </a:solidFill>
+                <a:latin typeface="DM Mono" panose="020B0509040201040103" pitchFamily="49" charset="0"/>
+              </a:rPr>
+              <a:t>HEAP</a:t>
+            </a:r>
+            <a:endParaRPr kumimoji="1" lang="ko-Kore-KR" altLang="en-US" dirty="0">
+              <a:solidFill>
+                <a:schemeClr val="tx1"/>
+              </a:solidFill>
+              <a:latin typeface="DM Mono" panose="020B0509040201040103" pitchFamily="49" charset="0"/>
+            </a:endParaRPr>
+          </a:p>
+        </p:txBody>
+      </p:sp>
+      <p:sp>
+        <p:nvSpPr>
+          <p:cNvPr id="10" name="직사각형 9">
+            <a:extLst>
+              <a:ext uri="{FF2B5EF4-FFF2-40B4-BE49-F238E27FC236}">
+                <a16:creationId xmlns:a16="http://schemas.microsoft.com/office/drawing/2014/main" id="{2FBE56D1-31D6-17A2-1997-21CB32582CCC}"/>
+              </a:ext>
+            </a:extLst>
+          </p:cNvPr>
+          <p:cNvSpPr/>
+          <p:nvPr/>
+        </p:nvSpPr>
+        <p:spPr>
+          <a:xfrm>
+            <a:off x="4445872" y="3605048"/>
+            <a:ext cx="2259728" cy="856593"/>
+          </a:xfrm>
+          <a:prstGeom prst="rect">
+            <a:avLst/>
+          </a:prstGeom>
+          <a:solidFill>
+            <a:srgbClr val="FFC000"/>
+          </a:solidFill>
+        </p:spPr>
+        <p:style>
+          <a:lnRef idx="2">
+            <a:schemeClr val="accent1">
+              <a:shade val="15000"/>
+            </a:schemeClr>
+          </a:lnRef>
+          <a:fillRef idx="1">
+            <a:schemeClr val="accent1"/>
+          </a:fillRef>
+          <a:effectRef idx="0">
+            <a:schemeClr val="accent1"/>
+          </a:effectRef>
+          <a:fontRef idx="minor">
+            <a:schemeClr val="lt1"/>
+          </a:fontRef>
+        </p:style>
+        <p:txBody>
+          <a:bodyPr rtlCol="0" anchor="ctr"/>
+          <a:lstStyle/>
+          <a:p>
+            <a:pPr algn="ctr"/>
+            <a:r>
+              <a:rPr kumimoji="1" lang="en-US" altLang="ko-Kore-KR" dirty="0">
+                <a:solidFill>
+                  <a:schemeClr val="tx1"/>
+                </a:solidFill>
+                <a:latin typeface="DM Mono" panose="020B0509040201040103" pitchFamily="49" charset="0"/>
+              </a:rPr>
+              <a:t>STACK</a:t>
+            </a:r>
+            <a:endParaRPr kumimoji="1" lang="ko-Kore-KR" altLang="en-US" dirty="0">
+              <a:solidFill>
+                <a:schemeClr val="tx1"/>
+              </a:solidFill>
+              <a:latin typeface="DM Mono" panose="020B0509040201040103" pitchFamily="49" charset="0"/>
+            </a:endParaRPr>
+          </a:p>
+        </p:txBody>
+      </p:sp>
+      <p:cxnSp>
+        <p:nvCxnSpPr>
+          <p:cNvPr id="12" name="직선 연결선[R] 11">
+            <a:extLst>
+              <a:ext uri="{FF2B5EF4-FFF2-40B4-BE49-F238E27FC236}">
+                <a16:creationId xmlns:a16="http://schemas.microsoft.com/office/drawing/2014/main" id="{ED4A4965-26F3-7F59-2131-1EB807295485}"/>
+              </a:ext>
+            </a:extLst>
+          </p:cNvPr>
+          <p:cNvCxnSpPr>
+            <a:cxnSpLocks/>
+          </p:cNvCxnSpPr>
+          <p:nvPr/>
+        </p:nvCxnSpPr>
+        <p:spPr>
+          <a:xfrm>
+            <a:off x="6705600" y="1035269"/>
+            <a:ext cx="2811514" cy="236483"/>
+          </a:xfrm>
+          <a:prstGeom prst="line">
+            <a:avLst/>
+          </a:prstGeom>
+          <a:ln>
+            <a:tailEnd type="triangle"/>
+          </a:ln>
+        </p:spPr>
+        <p:style>
+          <a:lnRef idx="1">
+            <a:schemeClr val="dk1"/>
+          </a:lnRef>
+          <a:fillRef idx="0">
+            <a:schemeClr val="dk1"/>
+          </a:fillRef>
+          <a:effectRef idx="0">
+            <a:schemeClr val="dk1"/>
+          </a:effectRef>
+          <a:fontRef idx="minor">
+            <a:schemeClr val="tx1"/>
+          </a:fontRef>
+        </p:style>
+      </p:cxnSp>
+      <p:cxnSp>
+        <p:nvCxnSpPr>
+          <p:cNvPr id="15" name="직선 연결선[R] 14">
+            <a:extLst>
+              <a:ext uri="{FF2B5EF4-FFF2-40B4-BE49-F238E27FC236}">
+                <a16:creationId xmlns:a16="http://schemas.microsoft.com/office/drawing/2014/main" id="{0729C78E-1FC2-05EF-0E04-78B554925909}"/>
+              </a:ext>
+            </a:extLst>
+          </p:cNvPr>
+          <p:cNvCxnSpPr>
+            <a:cxnSpLocks/>
+          </p:cNvCxnSpPr>
+          <p:nvPr/>
+        </p:nvCxnSpPr>
+        <p:spPr>
+          <a:xfrm flipV="1">
+            <a:off x="6705599" y="3037490"/>
+            <a:ext cx="2811514" cy="1424151"/>
+          </a:xfrm>
+          <a:prstGeom prst="line">
+            <a:avLst/>
+          </a:prstGeom>
+          <a:ln>
+            <a:tailEnd type="triangle"/>
+          </a:ln>
+        </p:spPr>
+        <p:style>
+          <a:lnRef idx="1">
+            <a:schemeClr val="dk1"/>
+          </a:lnRef>
+          <a:fillRef idx="0">
+            <a:schemeClr val="dk1"/>
+          </a:fillRef>
+          <a:effectRef idx="0">
+            <a:schemeClr val="dk1"/>
+          </a:effectRef>
+          <a:fontRef idx="minor">
+            <a:schemeClr val="tx1"/>
+          </a:fontRef>
+        </p:style>
+      </p:cxnSp>
+      <p:sp>
+        <p:nvSpPr>
+          <p:cNvPr id="18" name="직사각형 17">
+            <a:extLst>
+              <a:ext uri="{FF2B5EF4-FFF2-40B4-BE49-F238E27FC236}">
+                <a16:creationId xmlns:a16="http://schemas.microsoft.com/office/drawing/2014/main" id="{CAA3E926-B57E-D9F1-CB6B-F471EAF2D8C9}"/>
+              </a:ext>
+            </a:extLst>
+          </p:cNvPr>
+          <p:cNvSpPr/>
+          <p:nvPr/>
+        </p:nvSpPr>
+        <p:spPr>
+          <a:xfrm>
+            <a:off x="1376855" y="651642"/>
+            <a:ext cx="1944414" cy="475594"/>
+          </a:xfrm>
+          <a:prstGeom prst="rect">
+            <a:avLst/>
+          </a:prstGeom>
+          <a:solidFill>
+            <a:srgbClr val="FFFF00"/>
+          </a:solidFill>
+        </p:spPr>
+        <p:style>
+          <a:lnRef idx="2">
+            <a:schemeClr val="accent1">
+              <a:shade val="15000"/>
+            </a:schemeClr>
+          </a:lnRef>
+          <a:fillRef idx="1">
+            <a:schemeClr val="accent1"/>
+          </a:fillRef>
+          <a:effectRef idx="0">
+            <a:schemeClr val="accent1"/>
+          </a:effectRef>
+          <a:fontRef idx="minor">
+            <a:schemeClr val="lt1"/>
+          </a:fontRef>
+        </p:style>
+        <p:txBody>
+          <a:bodyPr rtlCol="0" anchor="ctr"/>
+          <a:lstStyle/>
+          <a:p>
+            <a:pPr algn="ctr"/>
+            <a:r>
+              <a:rPr kumimoji="1" lang="ko-KR" altLang="en-US" dirty="0">
+                <a:solidFill>
+                  <a:schemeClr val="tx1"/>
+                </a:solidFill>
+                <a:latin typeface="DM Mono" panose="020B0509040201040103" pitchFamily="49" charset="0"/>
+              </a:rPr>
+              <a:t>전역 변수</a:t>
+            </a:r>
+            <a:endParaRPr kumimoji="1" lang="ko-Kore-KR" altLang="en-US" dirty="0">
+              <a:solidFill>
+                <a:schemeClr val="tx1"/>
+              </a:solidFill>
+              <a:latin typeface="DM Mono" panose="020B0509040201040103" pitchFamily="49" charset="0"/>
+            </a:endParaRPr>
+          </a:p>
+        </p:txBody>
+      </p:sp>
+      <p:sp>
+        <p:nvSpPr>
+          <p:cNvPr id="19" name="직사각형 18">
+            <a:extLst>
+              <a:ext uri="{FF2B5EF4-FFF2-40B4-BE49-F238E27FC236}">
+                <a16:creationId xmlns:a16="http://schemas.microsoft.com/office/drawing/2014/main" id="{F423BB82-1A70-ED12-9B22-02013049BCF1}"/>
+              </a:ext>
+            </a:extLst>
+          </p:cNvPr>
+          <p:cNvSpPr/>
+          <p:nvPr/>
+        </p:nvSpPr>
+        <p:spPr>
+          <a:xfrm>
+            <a:off x="1376855" y="3511444"/>
+            <a:ext cx="1926020" cy="475594"/>
+          </a:xfrm>
+          <a:prstGeom prst="rect">
+            <a:avLst/>
+          </a:prstGeom>
+          <a:solidFill>
+            <a:srgbClr val="FFFF00"/>
+          </a:solidFill>
+        </p:spPr>
+        <p:style>
+          <a:lnRef idx="2">
+            <a:schemeClr val="accent1">
+              <a:shade val="15000"/>
+            </a:schemeClr>
+          </a:lnRef>
+          <a:fillRef idx="1">
+            <a:schemeClr val="accent1"/>
+          </a:fillRef>
+          <a:effectRef idx="0">
+            <a:schemeClr val="accent1"/>
+          </a:effectRef>
+          <a:fontRef idx="minor">
+            <a:schemeClr val="lt1"/>
+          </a:fontRef>
+        </p:style>
+        <p:txBody>
+          <a:bodyPr rtlCol="0" anchor="ctr"/>
+          <a:lstStyle/>
+          <a:p>
+            <a:pPr algn="ctr"/>
+            <a:r>
+              <a:rPr kumimoji="1" lang="ko-KR" altLang="en-US" dirty="0">
+                <a:solidFill>
+                  <a:schemeClr val="tx1"/>
+                </a:solidFill>
+                <a:latin typeface="DM Mono" panose="020B0509040201040103" pitchFamily="49" charset="0"/>
+              </a:rPr>
+              <a:t>지역 변수</a:t>
+            </a:r>
+            <a:endParaRPr kumimoji="1" lang="ko-Kore-KR" altLang="en-US" dirty="0">
+              <a:solidFill>
+                <a:schemeClr val="tx1"/>
+              </a:solidFill>
+              <a:latin typeface="DM Mono" panose="020B0509040201040103" pitchFamily="49" charset="0"/>
+            </a:endParaRPr>
+          </a:p>
+        </p:txBody>
+      </p:sp>
+      <p:sp>
+        <p:nvSpPr>
+          <p:cNvPr id="20" name="직사각형 19">
+            <a:extLst>
+              <a:ext uri="{FF2B5EF4-FFF2-40B4-BE49-F238E27FC236}">
+                <a16:creationId xmlns:a16="http://schemas.microsoft.com/office/drawing/2014/main" id="{285FEB54-C836-6476-6EB9-285EA3320805}"/>
+              </a:ext>
+            </a:extLst>
+          </p:cNvPr>
+          <p:cNvSpPr/>
+          <p:nvPr/>
+        </p:nvSpPr>
+        <p:spPr>
+          <a:xfrm>
+            <a:off x="1376855" y="1479000"/>
+            <a:ext cx="1926020" cy="475594"/>
+          </a:xfrm>
+          <a:prstGeom prst="rect">
+            <a:avLst/>
+          </a:prstGeom>
+          <a:solidFill>
+            <a:srgbClr val="FFFF00"/>
+          </a:solidFill>
+        </p:spPr>
+        <p:style>
+          <a:lnRef idx="2">
+            <a:schemeClr val="accent1">
+              <a:shade val="15000"/>
+            </a:schemeClr>
+          </a:lnRef>
+          <a:fillRef idx="1">
+            <a:schemeClr val="accent1"/>
+          </a:fillRef>
+          <a:effectRef idx="0">
+            <a:schemeClr val="accent1"/>
+          </a:effectRef>
+          <a:fontRef idx="minor">
+            <a:schemeClr val="lt1"/>
+          </a:fontRef>
+        </p:style>
+        <p:txBody>
+          <a:bodyPr rtlCol="0" anchor="ctr"/>
+          <a:lstStyle/>
+          <a:p>
+            <a:pPr algn="ctr"/>
+            <a:r>
+              <a:rPr kumimoji="1" lang="ko-KR" altLang="en-US" dirty="0">
+                <a:solidFill>
+                  <a:schemeClr val="tx1"/>
+                </a:solidFill>
+                <a:latin typeface="DM Mono" panose="020B0509040201040103" pitchFamily="49" charset="0"/>
+              </a:rPr>
+              <a:t>정적 지역 변수</a:t>
+            </a:r>
+            <a:endParaRPr kumimoji="1" lang="ko-Kore-KR" altLang="en-US" dirty="0">
+              <a:solidFill>
+                <a:schemeClr val="tx1"/>
+              </a:solidFill>
+              <a:latin typeface="DM Mono" panose="020B0509040201040103" pitchFamily="49" charset="0"/>
+            </a:endParaRPr>
+          </a:p>
+        </p:txBody>
+      </p:sp>
+      <p:sp>
+        <p:nvSpPr>
+          <p:cNvPr id="21" name="직사각형 20">
+            <a:extLst>
+              <a:ext uri="{FF2B5EF4-FFF2-40B4-BE49-F238E27FC236}">
+                <a16:creationId xmlns:a16="http://schemas.microsoft.com/office/drawing/2014/main" id="{568527C7-E906-FAEE-D0C7-38E51DCDCF0D}"/>
+              </a:ext>
+            </a:extLst>
+          </p:cNvPr>
+          <p:cNvSpPr/>
+          <p:nvPr/>
+        </p:nvSpPr>
+        <p:spPr>
+          <a:xfrm>
+            <a:off x="1395249" y="2510658"/>
+            <a:ext cx="1926020" cy="475594"/>
+          </a:xfrm>
+          <a:prstGeom prst="rect">
+            <a:avLst/>
+          </a:prstGeom>
+          <a:solidFill>
+            <a:srgbClr val="FFFF00"/>
+          </a:solidFill>
+        </p:spPr>
+        <p:style>
+          <a:lnRef idx="2">
+            <a:schemeClr val="accent1">
+              <a:shade val="15000"/>
+            </a:schemeClr>
+          </a:lnRef>
+          <a:fillRef idx="1">
+            <a:schemeClr val="accent1"/>
+          </a:fillRef>
+          <a:effectRef idx="0">
+            <a:schemeClr val="accent1"/>
+          </a:effectRef>
+          <a:fontRef idx="minor">
+            <a:schemeClr val="lt1"/>
+          </a:fontRef>
+        </p:style>
+        <p:txBody>
+          <a:bodyPr rtlCol="0" anchor="ctr"/>
+          <a:lstStyle/>
+          <a:p>
+            <a:pPr algn="ctr"/>
+            <a:r>
+              <a:rPr kumimoji="1" lang="ko-Kore-KR" altLang="en-US" sz="1400" dirty="0">
+                <a:solidFill>
+                  <a:schemeClr val="tx1"/>
+                </a:solidFill>
+                <a:latin typeface="DM Mono" panose="020B0509040201040103" pitchFamily="49" charset="0"/>
+              </a:rPr>
+              <a:t>동적</a:t>
+            </a:r>
+            <a:r>
+              <a:rPr kumimoji="1" lang="ko-KR" altLang="en-US" sz="1400" dirty="0">
+                <a:solidFill>
+                  <a:schemeClr val="tx1"/>
+                </a:solidFill>
+                <a:latin typeface="DM Mono" panose="020B0509040201040103" pitchFamily="49" charset="0"/>
+              </a:rPr>
+              <a:t> 메모리 할당</a:t>
+            </a:r>
+            <a:endParaRPr kumimoji="1" lang="ko-Kore-KR" altLang="en-US" sz="1400" dirty="0">
+              <a:solidFill>
+                <a:schemeClr val="tx1"/>
+              </a:solidFill>
+              <a:latin typeface="DM Mono" panose="020B0509040201040103" pitchFamily="49" charset="0"/>
+            </a:endParaRPr>
+          </a:p>
+        </p:txBody>
+      </p:sp>
+      <p:cxnSp>
+        <p:nvCxnSpPr>
+          <p:cNvPr id="23" name="직선 화살표 연결선 22">
+            <a:extLst>
+              <a:ext uri="{FF2B5EF4-FFF2-40B4-BE49-F238E27FC236}">
+                <a16:creationId xmlns:a16="http://schemas.microsoft.com/office/drawing/2014/main" id="{7D434926-1120-A28D-839B-1C1210F52691}"/>
+              </a:ext>
+            </a:extLst>
+          </p:cNvPr>
+          <p:cNvCxnSpPr>
+            <a:stCxn id="18" idx="3"/>
+            <a:endCxn id="7" idx="1"/>
+          </p:cNvCxnSpPr>
+          <p:nvPr/>
+        </p:nvCxnSpPr>
+        <p:spPr>
+          <a:xfrm>
+            <a:off x="3321269" y="889439"/>
+            <a:ext cx="1124603" cy="1430720"/>
+          </a:xfrm>
+          <a:prstGeom prst="straightConnector1">
+            <a:avLst/>
+          </a:prstGeom>
+          <a:ln>
+            <a:tailEnd type="triangle"/>
+          </a:ln>
+        </p:spPr>
+        <p:style>
+          <a:lnRef idx="1">
+            <a:schemeClr val="dk1"/>
+          </a:lnRef>
+          <a:fillRef idx="0">
+            <a:schemeClr val="dk1"/>
+          </a:fillRef>
+          <a:effectRef idx="0">
+            <a:schemeClr val="dk1"/>
+          </a:effectRef>
+          <a:fontRef idx="minor">
+            <a:schemeClr val="tx1"/>
+          </a:fontRef>
+        </p:style>
+      </p:cxnSp>
+      <p:cxnSp>
+        <p:nvCxnSpPr>
+          <p:cNvPr id="24" name="직선 화살표 연결선 23">
+            <a:extLst>
+              <a:ext uri="{FF2B5EF4-FFF2-40B4-BE49-F238E27FC236}">
+                <a16:creationId xmlns:a16="http://schemas.microsoft.com/office/drawing/2014/main" id="{9C073597-1A0B-FA2A-5DEA-B7318A95A94B}"/>
+              </a:ext>
+            </a:extLst>
+          </p:cNvPr>
+          <p:cNvCxnSpPr>
+            <a:cxnSpLocks/>
+            <a:stCxn id="19" idx="3"/>
+            <a:endCxn id="10" idx="1"/>
+          </p:cNvCxnSpPr>
+          <p:nvPr/>
+        </p:nvCxnSpPr>
+        <p:spPr>
+          <a:xfrm>
+            <a:off x="3302875" y="3749241"/>
+            <a:ext cx="1142997" cy="284104"/>
+          </a:xfrm>
+          <a:prstGeom prst="straightConnector1">
+            <a:avLst/>
+          </a:prstGeom>
+          <a:ln>
+            <a:tailEnd type="triangle"/>
+          </a:ln>
+        </p:spPr>
+        <p:style>
+          <a:lnRef idx="1">
+            <a:schemeClr val="dk1"/>
+          </a:lnRef>
+          <a:fillRef idx="0">
+            <a:schemeClr val="dk1"/>
+          </a:fillRef>
+          <a:effectRef idx="0">
+            <a:schemeClr val="dk1"/>
+          </a:effectRef>
+          <a:fontRef idx="minor">
+            <a:schemeClr val="tx1"/>
+          </a:fontRef>
+        </p:style>
+      </p:cxnSp>
+      <p:cxnSp>
+        <p:nvCxnSpPr>
+          <p:cNvPr id="27" name="직선 화살표 연결선 26">
+            <a:extLst>
+              <a:ext uri="{FF2B5EF4-FFF2-40B4-BE49-F238E27FC236}">
+                <a16:creationId xmlns:a16="http://schemas.microsoft.com/office/drawing/2014/main" id="{5CFA2D94-D320-AF38-C89F-0714EF4D9A96}"/>
+              </a:ext>
+            </a:extLst>
+          </p:cNvPr>
+          <p:cNvCxnSpPr>
+            <a:cxnSpLocks/>
+            <a:stCxn id="20" idx="3"/>
+            <a:endCxn id="7" idx="1"/>
+          </p:cNvCxnSpPr>
+          <p:nvPr/>
+        </p:nvCxnSpPr>
+        <p:spPr>
+          <a:xfrm>
+            <a:off x="3302875" y="1716797"/>
+            <a:ext cx="1142997" cy="603362"/>
+          </a:xfrm>
+          <a:prstGeom prst="straightConnector1">
+            <a:avLst/>
+          </a:prstGeom>
+          <a:ln>
+            <a:tailEnd type="triangle"/>
+          </a:ln>
+        </p:spPr>
+        <p:style>
+          <a:lnRef idx="1">
+            <a:schemeClr val="dk1"/>
+          </a:lnRef>
+          <a:fillRef idx="0">
+            <a:schemeClr val="dk1"/>
+          </a:fillRef>
+          <a:effectRef idx="0">
+            <a:schemeClr val="dk1"/>
+          </a:effectRef>
+          <a:fontRef idx="minor">
+            <a:schemeClr val="tx1"/>
+          </a:fontRef>
+        </p:style>
+      </p:cxnSp>
+      <p:cxnSp>
+        <p:nvCxnSpPr>
+          <p:cNvPr id="30" name="직선 화살표 연결선 29">
+            <a:extLst>
+              <a:ext uri="{FF2B5EF4-FFF2-40B4-BE49-F238E27FC236}">
+                <a16:creationId xmlns:a16="http://schemas.microsoft.com/office/drawing/2014/main" id="{72377F15-B491-FC34-4335-8578DBCDCB27}"/>
+              </a:ext>
+            </a:extLst>
+          </p:cNvPr>
+          <p:cNvCxnSpPr>
+            <a:cxnSpLocks/>
+            <a:stCxn id="21" idx="3"/>
+            <a:endCxn id="8" idx="1"/>
+          </p:cNvCxnSpPr>
+          <p:nvPr/>
+        </p:nvCxnSpPr>
+        <p:spPr>
+          <a:xfrm>
+            <a:off x="3321269" y="2748455"/>
+            <a:ext cx="1124603" cy="428297"/>
+          </a:xfrm>
+          <a:prstGeom prst="straightConnector1">
+            <a:avLst/>
+          </a:prstGeom>
+          <a:ln>
+            <a:tailEnd type="triangle"/>
+          </a:ln>
+        </p:spPr>
+        <p:style>
+          <a:lnRef idx="1">
+            <a:schemeClr val="dk1"/>
+          </a:lnRef>
+          <a:fillRef idx="0">
+            <a:schemeClr val="dk1"/>
+          </a:fillRef>
+          <a:effectRef idx="0">
+            <a:schemeClr val="dk1"/>
+          </a:effectRef>
+          <a:fontRef idx="minor">
+            <a:schemeClr val="tx1"/>
+          </a:fontRef>
+        </p:style>
+      </p:cxnSp>
+    </p:spTree>
+    <p:extLst>
+      <p:ext uri="{BB962C8B-B14F-4D97-AF65-F5344CB8AC3E}">
+        <p14:creationId xmlns:p14="http://schemas.microsoft.com/office/powerpoint/2010/main" val="142297714"/>
       </p:ext>
     </p:extLst>
   </p:cSld>
@@ -3729,6 +5235,29 @@
         </a:fontRef>
       </a:style>
     </a:spDef>
+    <a:lnDef>
+      <a:spPr>
+        <a:ln>
+          <a:tailEnd type="triangle"/>
+        </a:ln>
+      </a:spPr>
+      <a:bodyPr/>
+      <a:lstStyle/>
+      <a:style>
+        <a:lnRef idx="1">
+          <a:schemeClr val="dk1"/>
+        </a:lnRef>
+        <a:fillRef idx="0">
+          <a:schemeClr val="dk1"/>
+        </a:fillRef>
+        <a:effectRef idx="0">
+          <a:schemeClr val="dk1"/>
+        </a:effectRef>
+        <a:fontRef idx="minor">
+          <a:schemeClr val="tx1"/>
+        </a:fontRef>
+      </a:style>
+    </a:lnDef>
   </a:objectDefaults>
   <a:extraClrSchemeLst/>
   <a:extLst>
